--- a/source/Lecture-Slides_R-StudioCloud_20200831.pptx
+++ b/source/Lecture-Slides_R-StudioCloud_20200831.pptx
@@ -304,7 +304,7 @@
           <a:p>
             <a:fld id="{44ECF6A8-003A-4927-8ADB-D390073D8356}" type="datetimeFigureOut">
               <a:rPr lang="en-GB" smtClean="0"/>
-              <a:t>31/08/2020</a:t>
+              <a:t>16/10/2020</a:t>
             </a:fld>
             <a:endParaRPr lang="en-GB"/>
           </a:p>
@@ -474,7 +474,7 @@
           <a:p>
             <a:fld id="{44ECF6A8-003A-4927-8ADB-D390073D8356}" type="datetimeFigureOut">
               <a:rPr lang="en-GB" smtClean="0"/>
-              <a:t>31/08/2020</a:t>
+              <a:t>16/10/2020</a:t>
             </a:fld>
             <a:endParaRPr lang="en-GB"/>
           </a:p>
@@ -697,7 +697,7 @@
           <a:p>
             <a:fld id="{44ECF6A8-003A-4927-8ADB-D390073D8356}" type="datetimeFigureOut">
               <a:rPr lang="en-GB" smtClean="0"/>
-              <a:t>31/08/2020</a:t>
+              <a:t>16/10/2020</a:t>
             </a:fld>
             <a:endParaRPr lang="en-GB"/>
           </a:p>
@@ -877,7 +877,7 @@
           <a:p>
             <a:fld id="{44ECF6A8-003A-4927-8ADB-D390073D8356}" type="datetimeFigureOut">
               <a:rPr lang="en-GB" smtClean="0"/>
-              <a:t>31/08/2020</a:t>
+              <a:t>16/10/2020</a:t>
             </a:fld>
             <a:endParaRPr lang="en-GB"/>
           </a:p>
@@ -1183,7 +1183,7 @@
           <a:p>
             <a:fld id="{44ECF6A8-003A-4927-8ADB-D390073D8356}" type="datetimeFigureOut">
               <a:rPr lang="en-GB" smtClean="0"/>
-              <a:t>31/08/2020</a:t>
+              <a:t>16/10/2020</a:t>
             </a:fld>
             <a:endParaRPr lang="en-GB"/>
           </a:p>
@@ -1487,7 +1487,7 @@
           <a:p>
             <a:fld id="{44ECF6A8-003A-4927-8ADB-D390073D8356}" type="datetimeFigureOut">
               <a:rPr lang="en-GB" smtClean="0"/>
-              <a:t>31/08/2020</a:t>
+              <a:t>16/10/2020</a:t>
             </a:fld>
             <a:endParaRPr lang="en-GB"/>
           </a:p>
@@ -1909,7 +1909,7 @@
           <a:p>
             <a:fld id="{44ECF6A8-003A-4927-8ADB-D390073D8356}" type="datetimeFigureOut">
               <a:rPr lang="en-GB" smtClean="0"/>
-              <a:t>31/08/2020</a:t>
+              <a:t>16/10/2020</a:t>
             </a:fld>
             <a:endParaRPr lang="en-GB"/>
           </a:p>
@@ -2027,7 +2027,7 @@
           <a:p>
             <a:fld id="{44ECF6A8-003A-4927-8ADB-D390073D8356}" type="datetimeFigureOut">
               <a:rPr lang="en-GB" smtClean="0"/>
-              <a:t>31/08/2020</a:t>
+              <a:t>16/10/2020</a:t>
             </a:fld>
             <a:endParaRPr lang="en-GB"/>
           </a:p>
@@ -2122,7 +2122,7 @@
           <a:p>
             <a:fld id="{44ECF6A8-003A-4927-8ADB-D390073D8356}" type="datetimeFigureOut">
               <a:rPr lang="en-GB" smtClean="0"/>
-              <a:t>31/08/2020</a:t>
+              <a:t>16/10/2020</a:t>
             </a:fld>
             <a:endParaRPr lang="en-GB"/>
           </a:p>
@@ -2395,7 +2395,7 @@
           <a:p>
             <a:fld id="{44ECF6A8-003A-4927-8ADB-D390073D8356}" type="datetimeFigureOut">
               <a:rPr lang="en-GB" smtClean="0"/>
-              <a:t>31/08/2020</a:t>
+              <a:t>16/10/2020</a:t>
             </a:fld>
             <a:endParaRPr lang="en-GB"/>
           </a:p>
@@ -2660,7 +2660,7 @@
           <a:p>
             <a:fld id="{44ECF6A8-003A-4927-8ADB-D390073D8356}" type="datetimeFigureOut">
               <a:rPr lang="en-GB" smtClean="0"/>
-              <a:t>31/08/2020</a:t>
+              <a:t>16/10/2020</a:t>
             </a:fld>
             <a:endParaRPr lang="en-GB"/>
           </a:p>
@@ -2909,7 +2909,7 @@
           <a:p>
             <a:fld id="{44ECF6A8-003A-4927-8ADB-D390073D8356}" type="datetimeFigureOut">
               <a:rPr lang="en-GB" smtClean="0"/>
-              <a:t>31/08/2020</a:t>
+              <a:t>16/10/2020</a:t>
             </a:fld>
             <a:endParaRPr lang="en-GB"/>
           </a:p>
@@ -3520,6 +3520,12 @@
           <a:p>
             <a:r>
               <a:rPr lang="en-US" dirty="0"/>
+              <a:t>Required packages already installed inside each Project</a:t>
+            </a:r>
+          </a:p>
+          <a:p>
+            <a:r>
+              <a:rPr lang="en-US" dirty="0"/>
               <a:t>Much less time debugging and more time spent learning</a:t>
             </a:r>
             <a:endParaRPr lang="en-GB" dirty="0"/>
@@ -3618,7 +3624,7 @@
           <a:p>
             <a:r>
               <a:rPr lang="en-US" dirty="0"/>
-              <a:t>Should have been sent a link by email</a:t>
+              <a:t>Will be sent a link by email</a:t>
             </a:r>
           </a:p>
           <a:p>
@@ -3803,6 +3809,12 @@
               <a:t>Click the project title to start</a:t>
             </a:r>
           </a:p>
+          <a:p>
+            <a:r>
+              <a:rPr lang="en-US" dirty="0"/>
+              <a:t>Can always close and continue later</a:t>
+            </a:r>
+          </a:p>
         </p:txBody>
       </p:sp>
       <p:pic>
@@ -3827,7 +3839,7 @@
         </p:blipFill>
         <p:spPr>
           <a:xfrm>
-            <a:off x="1564616" y="3592903"/>
+            <a:off x="1952377" y="4259653"/>
             <a:ext cx="3462497" cy="1626079"/>
           </a:xfrm>
           <a:prstGeom prst="rect">
@@ -3927,6 +3939,15 @@
           <a:p>
             <a:r>
               <a:rPr lang="en-US" dirty="0"/>
+              <a:t>Looks just like RStudio except in your browser</a:t>
+            </a:r>
+          </a:p>
+          <a:p>
+            <a:endParaRPr lang="en-US" dirty="0"/>
+          </a:p>
+          <a:p>
+            <a:r>
+              <a:rPr lang="en-US" dirty="0"/>
               <a:t>Lecture Slides</a:t>
             </a:r>
           </a:p>
@@ -3937,29 +3958,82 @@
             </a:r>
           </a:p>
           <a:p>
+            <a:endParaRPr lang="en-US" dirty="0"/>
+          </a:p>
+          <a:p>
             <a:r>
               <a:rPr lang="en-US" dirty="0"/>
-              <a:t>Practical Setup – always run first to load packages and data</a:t>
+              <a:t>/data and /source</a:t>
             </a:r>
           </a:p>
           <a:p>
             <a:r>
               <a:rPr lang="en-US" dirty="0"/>
-              <a:t>Practical Outline – an R Markdown document to get you started</a:t>
-            </a:r>
-          </a:p>
-          <a:p>
-            <a:endParaRPr lang="en-US" dirty="0"/>
-          </a:p>
-          <a:p>
-            <a:r>
-              <a:rPr lang="en-US" dirty="0"/>
-              <a:t>Two folders: /data and /source</a:t>
-            </a:r>
-            <a:endParaRPr lang="en-GB" dirty="0"/>
-          </a:p>
-        </p:txBody>
-      </p:sp>
+              <a:t>More &gt; Export…</a:t>
+            </a:r>
+          </a:p>
+        </p:txBody>
+      </p:sp>
+      <p:pic>
+        <p:nvPicPr>
+          <p:cNvPr id="4" name="Picture 3">
+            <a:extLst>
+              <a:ext uri="{FF2B5EF4-FFF2-40B4-BE49-F238E27FC236}">
+                <a16:creationId xmlns:a16="http://schemas.microsoft.com/office/drawing/2014/main" id="{90F6B875-A5B6-460B-A6C7-492C19CE5130}"/>
+              </a:ext>
+            </a:extLst>
+          </p:cNvPr>
+          <p:cNvPicPr>
+            <a:picLocks noChangeAspect="1"/>
+          </p:cNvPicPr>
+          <p:nvPr/>
+        </p:nvPicPr>
+        <p:blipFill>
+          <a:blip r:embed="rId2"/>
+          <a:stretch>
+            <a:fillRect/>
+          </a:stretch>
+        </p:blipFill>
+        <p:spPr>
+          <a:xfrm>
+            <a:off x="4391025" y="3429000"/>
+            <a:ext cx="7391400" cy="2647950"/>
+          </a:xfrm>
+          <a:prstGeom prst="rect">
+            <a:avLst/>
+          </a:prstGeom>
+          <a:solidFill>
+            <a:srgbClr val="FFFFFF">
+              <a:shade val="85000"/>
+            </a:srgbClr>
+          </a:solidFill>
+          <a:ln w="88900" cap="sq">
+            <a:solidFill>
+              <a:srgbClr val="FFFFFF"/>
+            </a:solidFill>
+            <a:miter lim="800000"/>
+          </a:ln>
+          <a:effectLst>
+            <a:outerShdw blurRad="55000" dist="18000" dir="5400000" algn="tl" rotWithShape="0">
+              <a:srgbClr val="000000">
+                <a:alpha val="40000"/>
+              </a:srgbClr>
+            </a:outerShdw>
+          </a:effectLst>
+          <a:scene3d>
+            <a:camera prst="orthographicFront"/>
+            <a:lightRig rig="twoPt" dir="t">
+              <a:rot lat="0" lon="0" rev="7200000"/>
+            </a:lightRig>
+          </a:scene3d>
+          <a:sp3d>
+            <a:bevelT w="25400" h="19050"/>
+            <a:contourClr>
+              <a:srgbClr val="FFFFFF"/>
+            </a:contourClr>
+          </a:sp3d>
+        </p:spPr>
+      </p:pic>
     </p:spTree>
     <p:extLst>
       <p:ext uri="{BB962C8B-B14F-4D97-AF65-F5344CB8AC3E}">
@@ -4054,6 +4128,15 @@
             <a:r>
               <a:rPr lang="en-US" dirty="0"/>
               <a:t>Save locally and hand in</a:t>
+            </a:r>
+          </a:p>
+          <a:p>
+            <a:endParaRPr lang="en-US" dirty="0"/>
+          </a:p>
+          <a:p>
+            <a:r>
+              <a:rPr lang="en-US" dirty="0"/>
+              <a:t>Other software – install Java</a:t>
             </a:r>
             <a:endParaRPr lang="en-GB" dirty="0"/>
           </a:p>
